--- a/slides/On-Campus/05_01_Final_Types_Modulo.pptx
+++ b/slides/On-Campus/05_01_Final_Types_Modulo.pptx
@@ -5,17 +5,17 @@
     <p:sldMasterId id="2147483648" r:id="rId1"/>
   </p:sldMasterIdLst>
   <p:notesMasterIdLst>
-    <p:notesMasterId r:id="rId20"/>
+    <p:notesMasterId r:id="rId21"/>
   </p:notesMasterIdLst>
   <p:handoutMasterIdLst>
-    <p:handoutMasterId r:id="rId21"/>
+    <p:handoutMasterId r:id="rId22"/>
   </p:handoutMasterIdLst>
   <p:sldIdLst>
     <p:sldId id="256" r:id="rId2"/>
     <p:sldId id="271" r:id="rId3"/>
     <p:sldId id="272" r:id="rId4"/>
-    <p:sldId id="261" r:id="rId5"/>
-    <p:sldId id="273" r:id="rId6"/>
+    <p:sldId id="273" r:id="rId5"/>
+    <p:sldId id="261" r:id="rId6"/>
     <p:sldId id="260" r:id="rId7"/>
     <p:sldId id="262" r:id="rId8"/>
     <p:sldId id="263" r:id="rId9"/>
@@ -29,6 +29,7 @@
     <p:sldId id="268" r:id="rId17"/>
     <p:sldId id="269" r:id="rId18"/>
     <p:sldId id="270" r:id="rId19"/>
+    <p:sldId id="274" r:id="rId20"/>
   </p:sldIdLst>
   <p:sldSz cx="13817600" cy="7772400"/>
   <p:notesSz cx="6858000" cy="9144000"/>
@@ -231,7 +232,7 @@
           <a:p>
             <a:fld id="{4D7E51A5-B478-1E40-8CBB-0DAA8831E99D}" type="datetimeFigureOut">
               <a:rPr lang="en-US" smtClean="0"/>
-              <a:t>9/19/2021</a:t>
+              <a:t>9/19/21</a:t>
             </a:fld>
             <a:endParaRPr lang="en-US"/>
           </a:p>
@@ -396,7 +397,7 @@
           <a:p>
             <a:fld id="{D0ED587F-861E-6740-9643-E3DDAE89B8D6}" type="datetimeFigureOut">
               <a:rPr lang="en-US" smtClean="0"/>
-              <a:t>9/19/2021</a:t>
+              <a:t>9/19/21</a:t>
             </a:fld>
             <a:endParaRPr lang="en-US"/>
           </a:p>
@@ -9920,7 +9921,7 @@
         </p:nvSpPr>
         <p:spPr>
           <a:xfrm>
-            <a:off x="10835124" y="6012039"/>
+            <a:off x="10835124" y="3526828"/>
             <a:ext cx="2882900" cy="1231106"/>
           </a:xfrm>
           <a:prstGeom prst="rect">
@@ -9962,6 +9963,54 @@
                 <a:cs typeface="Microsoft Sans Serif" panose="020B0604020202020204" pitchFamily="34" charset="0"/>
               </a:rPr>
               <a:t>. Play with it until you start to see it. </a:t>
+            </a:r>
+          </a:p>
+        </p:txBody>
+      </p:sp>
+      <p:sp>
+        <p:nvSpPr>
+          <p:cNvPr id="2" name="TextBox 1">
+            <a:extLst>
+              <a:ext uri="{FF2B5EF4-FFF2-40B4-BE49-F238E27FC236}">
+                <a16:creationId xmlns:a16="http://schemas.microsoft.com/office/drawing/2014/main" id="{0749F028-BD23-D849-A9FE-DFF695417A5D}"/>
+              </a:ext>
+            </a:extLst>
+          </p:cNvPr>
+          <p:cNvSpPr txBox="1"/>
+          <p:nvPr/>
+        </p:nvSpPr>
+        <p:spPr>
+          <a:xfrm>
+            <a:off x="9814391" y="6616455"/>
+            <a:ext cx="3903633" cy="707886"/>
+          </a:xfrm>
+          <a:prstGeom prst="rect">
+            <a:avLst/>
+          </a:prstGeom>
+          <a:solidFill>
+            <a:schemeClr val="accent1"/>
+          </a:solidFill>
+          <a:ln>
+            <a:solidFill>
+              <a:schemeClr val="accent1"/>
+            </a:solidFill>
+          </a:ln>
+        </p:spPr>
+        <p:txBody>
+          <a:bodyPr wrap="none" rtlCol="0">
+            <a:spAutoFit/>
+          </a:bodyPr>
+          <a:lstStyle/>
+          <a:p>
+            <a:r>
+              <a:rPr lang="en-US" dirty="0"/>
+              <a:t>Ask in general channel on teams</a:t>
+            </a:r>
+          </a:p>
+          <a:p>
+            <a:r>
+              <a:rPr lang="en-US" dirty="0"/>
+              <a:t>on the how for the -128 to 127</a:t>
             </a:r>
           </a:p>
         </p:txBody>
@@ -13610,6 +13659,122 @@
 </p:sld>
 </file>
 
+<file path=ppt/slides/slide19.xml><?xml version="1.0" encoding="utf-8"?>
+<p:sld xmlns:a="http://schemas.openxmlformats.org/drawingml/2006/main" xmlns:r="http://schemas.openxmlformats.org/officeDocument/2006/relationships" xmlns:p="http://schemas.openxmlformats.org/presentationml/2006/main">
+  <p:cSld>
+    <p:spTree>
+      <p:nvGrpSpPr>
+        <p:cNvPr id="1" name=""/>
+        <p:cNvGrpSpPr/>
+        <p:nvPr/>
+      </p:nvGrpSpPr>
+      <p:grpSpPr>
+        <a:xfrm>
+          <a:off x="0" y="0"/>
+          <a:ext cx="0" cy="0"/>
+          <a:chOff x="0" y="0"/>
+          <a:chExt cx="0" cy="0"/>
+        </a:xfrm>
+      </p:grpSpPr>
+      <p:sp>
+        <p:nvSpPr>
+          <p:cNvPr id="2" name="Title 1">
+            <a:extLst>
+              <a:ext uri="{FF2B5EF4-FFF2-40B4-BE49-F238E27FC236}">
+                <a16:creationId xmlns:a16="http://schemas.microsoft.com/office/drawing/2014/main" id="{B495FF0A-BC54-DE46-8900-D8128583BAB1}"/>
+              </a:ext>
+            </a:extLst>
+          </p:cNvPr>
+          <p:cNvSpPr>
+            <a:spLocks noGrp="1"/>
+          </p:cNvSpPr>
+          <p:nvPr>
+            <p:ph type="title"/>
+          </p:nvPr>
+        </p:nvSpPr>
+        <p:spPr/>
+        <p:txBody>
+          <a:bodyPr/>
+          <a:lstStyle/>
+          <a:p>
+            <a:r>
+              <a:rPr lang="en-US" dirty="0"/>
+              <a:t>Practice</a:t>
+            </a:r>
+          </a:p>
+        </p:txBody>
+      </p:sp>
+      <p:sp>
+        <p:nvSpPr>
+          <p:cNvPr id="3" name="Text Placeholder 2">
+            <a:extLst>
+              <a:ext uri="{FF2B5EF4-FFF2-40B4-BE49-F238E27FC236}">
+                <a16:creationId xmlns:a16="http://schemas.microsoft.com/office/drawing/2014/main" id="{02C083C4-D4E8-1243-A859-17FE4F4C529E}"/>
+              </a:ext>
+            </a:extLst>
+          </p:cNvPr>
+          <p:cNvSpPr>
+            <a:spLocks noGrp="1"/>
+          </p:cNvSpPr>
+          <p:nvPr>
+            <p:ph type="body" sz="quarter" idx="10"/>
+          </p:nvPr>
+        </p:nvSpPr>
+        <p:spPr>
+          <a:xfrm>
+            <a:off x="628075" y="1776683"/>
+            <a:ext cx="12561453" cy="1343958"/>
+          </a:xfrm>
+        </p:spPr>
+        <p:txBody>
+          <a:bodyPr/>
+          <a:lstStyle/>
+          <a:p>
+            <a:r>
+              <a:rPr lang="en-US" dirty="0"/>
+              <a:t>Write a method that utilizes both division using an int, and modulo</a:t>
+            </a:r>
+          </a:p>
+          <a:p>
+            <a:r>
+              <a:rPr lang="en-US" dirty="0"/>
+              <a:t>Have the person next to you explain what they think it does</a:t>
+            </a:r>
+          </a:p>
+          <a:p>
+            <a:pPr lvl="1"/>
+            <a:r>
+              <a:rPr lang="en-US" dirty="0"/>
+              <a:t>and then run it to see if that works as you think!</a:t>
+            </a:r>
+          </a:p>
+        </p:txBody>
+      </p:sp>
+    </p:spTree>
+    <p:extLst>
+      <p:ext uri="{BB962C8B-B14F-4D97-AF65-F5344CB8AC3E}">
+        <p14:creationId xmlns:p14="http://schemas.microsoft.com/office/powerpoint/2010/main" val="2888039982"/>
+      </p:ext>
+    </p:extLst>
+  </p:cSld>
+  <p:clrMapOvr>
+    <a:masterClrMapping/>
+  </p:clrMapOvr>
+  <mc:AlternateContent xmlns:mc="http://schemas.openxmlformats.org/markup-compatibility/2006" xmlns:p14="http://schemas.microsoft.com/office/powerpoint/2010/main">
+    <mc:Choice Requires="p14">
+      <p:transition p14:dur="300">
+        <p:fade/>
+      </p:transition>
+    </mc:Choice>
+    <mc:Fallback xmlns="">
+      <p:transition>
+        <p:fade/>
+      </p:transition>
+    </mc:Fallback>
+  </mc:AlternateContent>
+</p:sld>
+</file>
+
 <file path=ppt/slides/slide2.xml><?xml version="1.0" encoding="utf-8"?>
 <p:sld xmlns:a="http://schemas.openxmlformats.org/drawingml/2006/main" xmlns:r="http://schemas.openxmlformats.org/officeDocument/2006/relationships" xmlns:p="http://schemas.openxmlformats.org/presentationml/2006/main">
   <p:cSld>
@@ -13669,8 +13834,8 @@
         </p:nvSpPr>
         <p:spPr>
           <a:xfrm>
-            <a:off x="8173155" y="5119955"/>
-            <a:ext cx="5644445" cy="2031325"/>
+            <a:off x="9283700" y="5241643"/>
+            <a:ext cx="4533900" cy="2031325"/>
           </a:xfrm>
           <a:prstGeom prst="rect">
             <a:avLst/>
@@ -14106,6 +14271,98 @@
           </a:p>
         </p:txBody>
       </p:sp>
+      <p:sp>
+        <p:nvSpPr>
+          <p:cNvPr id="2" name="TextBox 1">
+            <a:extLst>
+              <a:ext uri="{FF2B5EF4-FFF2-40B4-BE49-F238E27FC236}">
+                <a16:creationId xmlns:a16="http://schemas.microsoft.com/office/drawing/2014/main" id="{63240573-2909-5940-B8B7-42377611DDB4}"/>
+              </a:ext>
+            </a:extLst>
+          </p:cNvPr>
+          <p:cNvSpPr txBox="1"/>
+          <p:nvPr/>
+        </p:nvSpPr>
+        <p:spPr>
+          <a:xfrm>
+            <a:off x="254000" y="5066727"/>
+            <a:ext cx="7271455" cy="2246769"/>
+          </a:xfrm>
+          <a:prstGeom prst="rect">
+            <a:avLst/>
+          </a:prstGeom>
+          <a:noFill/>
+          <a:ln>
+            <a:solidFill>
+              <a:schemeClr val="accent1"/>
+            </a:solidFill>
+          </a:ln>
+        </p:spPr>
+        <p:txBody>
+          <a:bodyPr wrap="square" rtlCol="0">
+            <a:spAutoFit/>
+          </a:bodyPr>
+          <a:lstStyle/>
+          <a:p>
+            <a:r>
+              <a:rPr lang="en-US" dirty="0"/>
+              <a:t>Canvas Exam 1 Retake via Online Proctoring</a:t>
+            </a:r>
+          </a:p>
+          <a:p>
+            <a:r>
+              <a:rPr lang="en-US" dirty="0"/>
+              <a:t>First show:</a:t>
+            </a:r>
+          </a:p>
+          <a:p>
+            <a:pPr marL="342900" indent="-342900">
+              <a:buFont typeface="Arial" panose="020B0604020202020204" pitchFamily="34" charset="0"/>
+              <a:buChar char="•"/>
+            </a:pPr>
+            <a:r>
+              <a:rPr lang="en-US" dirty="0"/>
+              <a:t>100% Knowledge Checks</a:t>
+            </a:r>
+          </a:p>
+          <a:p>
+            <a:pPr marL="342900" indent="-342900">
+              <a:buFont typeface="Arial" panose="020B0604020202020204" pitchFamily="34" charset="0"/>
+              <a:buChar char="•"/>
+            </a:pPr>
+            <a:r>
+              <a:rPr lang="en-US" dirty="0"/>
+              <a:t>100% Readings</a:t>
+            </a:r>
+          </a:p>
+          <a:p>
+            <a:pPr marL="342900" indent="-342900">
+              <a:buFont typeface="Arial" panose="020B0604020202020204" pitchFamily="34" charset="0"/>
+              <a:buChar char="•"/>
+            </a:pPr>
+            <a:r>
+              <a:rPr lang="en-US" dirty="0"/>
+              <a:t>80% for labs</a:t>
+            </a:r>
+          </a:p>
+          <a:p>
+            <a:r>
+              <a:rPr lang="en-US" dirty="0"/>
+              <a:t>Then</a:t>
+            </a:r>
+          </a:p>
+          <a:p>
+            <a:pPr marL="342900" indent="-342900">
+              <a:buFont typeface="Arial" panose="020B0604020202020204" pitchFamily="34" charset="0"/>
+              <a:buChar char="•"/>
+            </a:pPr>
+            <a:r>
+              <a:rPr lang="en-US" dirty="0"/>
+              <a:t>Message Instructor on Teams – will enable another attempt</a:t>
+            </a:r>
+          </a:p>
+        </p:txBody>
+      </p:sp>
     </p:spTree>
     <p:extLst>
       <p:ext uri="{BB962C8B-B14F-4D97-AF65-F5344CB8AC3E}">
@@ -14252,7 +14509,7 @@
           <a:p>
             <a:r>
               <a:rPr lang="en-US" sz="1400" dirty="0"/>
-              <a:t>Pick a Knowledge Check – at random – 4-5 nights a week! </a:t>
+              <a:t>Pick a Knowledge Check – at random – 3-5 nights a week! </a:t>
             </a:r>
           </a:p>
           <a:p>
@@ -14352,6 +14609,615 @@
 </file>
 
 <file path=ppt/slides/slide4.xml><?xml version="1.0" encoding="utf-8"?>
+<p:sld xmlns:a="http://schemas.openxmlformats.org/drawingml/2006/main" xmlns:r="http://schemas.openxmlformats.org/officeDocument/2006/relationships" xmlns:p="http://schemas.openxmlformats.org/presentationml/2006/main">
+  <p:cSld>
+    <p:spTree>
+      <p:nvGrpSpPr>
+        <p:cNvPr id="1" name=""/>
+        <p:cNvGrpSpPr/>
+        <p:nvPr/>
+      </p:nvGrpSpPr>
+      <p:grpSpPr>
+        <a:xfrm>
+          <a:off x="0" y="0"/>
+          <a:ext cx="0" cy="0"/>
+          <a:chOff x="0" y="0"/>
+          <a:chExt cx="0" cy="0"/>
+        </a:xfrm>
+      </p:grpSpPr>
+      <p:sp>
+        <p:nvSpPr>
+          <p:cNvPr id="2" name="Title 1">
+            <a:extLst>
+              <a:ext uri="{FF2B5EF4-FFF2-40B4-BE49-F238E27FC236}">
+                <a16:creationId xmlns:a16="http://schemas.microsoft.com/office/drawing/2014/main" id="{C967F022-B04E-49D2-9054-DF4514378B66}"/>
+              </a:ext>
+            </a:extLst>
+          </p:cNvPr>
+          <p:cNvSpPr>
+            <a:spLocks noGrp="1"/>
+          </p:cNvSpPr>
+          <p:nvPr>
+            <p:ph type="title"/>
+          </p:nvPr>
+        </p:nvSpPr>
+        <p:spPr/>
+        <p:txBody>
+          <a:bodyPr/>
+          <a:lstStyle/>
+          <a:p>
+            <a:r>
+              <a:rPr lang="en-US" dirty="0"/>
+              <a:t>Reading Check</a:t>
+            </a:r>
+          </a:p>
+        </p:txBody>
+      </p:sp>
+      <p:sp>
+        <p:nvSpPr>
+          <p:cNvPr id="3" name="Text Placeholder 2">
+            <a:extLst>
+              <a:ext uri="{FF2B5EF4-FFF2-40B4-BE49-F238E27FC236}">
+                <a16:creationId xmlns:a16="http://schemas.microsoft.com/office/drawing/2014/main" id="{90FAEA11-6DC1-45A6-B877-194CA7524B8F}"/>
+              </a:ext>
+            </a:extLst>
+          </p:cNvPr>
+          <p:cNvSpPr>
+            <a:spLocks noGrp="1"/>
+          </p:cNvSpPr>
+          <p:nvPr>
+            <p:ph type="body" sz="quarter" idx="10"/>
+          </p:nvPr>
+        </p:nvSpPr>
+        <p:spPr>
+          <a:xfrm>
+            <a:off x="7439025" y="1497329"/>
+            <a:ext cx="5045653" cy="1602555"/>
+          </a:xfrm>
+        </p:spPr>
+        <p:txBody>
+          <a:bodyPr/>
+          <a:lstStyle/>
+          <a:p>
+            <a:r>
+              <a:rPr lang="en-US" dirty="0"/>
+              <a:t>Will this code compile? </a:t>
+            </a:r>
+          </a:p>
+          <a:p>
+            <a:pPr lvl="1"/>
+            <a:r>
+              <a:rPr lang="en-US" dirty="0"/>
+              <a:t>A – Yes</a:t>
+            </a:r>
+          </a:p>
+          <a:p>
+            <a:pPr lvl="1"/>
+            <a:r>
+              <a:rPr lang="en-US" dirty="0"/>
+              <a:t>B – No </a:t>
+            </a:r>
+          </a:p>
+          <a:p>
+            <a:pPr lvl="1"/>
+            <a:r>
+              <a:rPr lang="en-US" dirty="0"/>
+              <a:t>C – Not sure</a:t>
+            </a:r>
+          </a:p>
+        </p:txBody>
+      </p:sp>
+      <p:sp>
+        <p:nvSpPr>
+          <p:cNvPr id="6" name="TextBox 5">
+            <a:extLst>
+              <a:ext uri="{FF2B5EF4-FFF2-40B4-BE49-F238E27FC236}">
+                <a16:creationId xmlns:a16="http://schemas.microsoft.com/office/drawing/2014/main" id="{5CB8A5A5-0C8D-4DF6-84A2-1FA199629395}"/>
+              </a:ext>
+            </a:extLst>
+          </p:cNvPr>
+          <p:cNvSpPr txBox="1"/>
+          <p:nvPr/>
+        </p:nvSpPr>
+        <p:spPr>
+          <a:xfrm>
+            <a:off x="8642639" y="6052255"/>
+            <a:ext cx="3219450" cy="707886"/>
+          </a:xfrm>
+          <a:prstGeom prst="rect">
+            <a:avLst/>
+          </a:prstGeom>
+          <a:noFill/>
+        </p:spPr>
+        <p:txBody>
+          <a:bodyPr wrap="square" rtlCol="0">
+            <a:spAutoFit/>
+          </a:bodyPr>
+          <a:lstStyle/>
+          <a:p>
+            <a:r>
+              <a:rPr lang="en-US" dirty="0"/>
+              <a:t>We will come back to this in a few slides.</a:t>
+            </a:r>
+          </a:p>
+        </p:txBody>
+      </p:sp>
+      <p:sp>
+        <p:nvSpPr>
+          <p:cNvPr id="7" name="TextBox 6">
+            <a:extLst>
+              <a:ext uri="{FF2B5EF4-FFF2-40B4-BE49-F238E27FC236}">
+                <a16:creationId xmlns:a16="http://schemas.microsoft.com/office/drawing/2014/main" id="{8E2D2BC3-8D79-4146-8494-70E111670F49}"/>
+              </a:ext>
+            </a:extLst>
+          </p:cNvPr>
+          <p:cNvSpPr txBox="1"/>
+          <p:nvPr/>
+        </p:nvSpPr>
+        <p:spPr>
+          <a:xfrm>
+            <a:off x="374945" y="1473084"/>
+            <a:ext cx="6851737" cy="5262979"/>
+          </a:xfrm>
+          <a:prstGeom prst="rect">
+            <a:avLst/>
+          </a:prstGeom>
+          <a:noFill/>
+        </p:spPr>
+        <p:txBody>
+          <a:bodyPr wrap="square" rtlCol="0">
+            <a:spAutoFit/>
+          </a:bodyPr>
+          <a:lstStyle/>
+          <a:p>
+            <a:r>
+              <a:rPr lang="en-US" sz="1400" dirty="0">
+                <a:latin typeface="Consolas" panose="020B0609020204030204" pitchFamily="49" charset="0"/>
+                <a:cs typeface="Consolas" panose="020B0609020204030204" pitchFamily="49" charset="0"/>
+              </a:rPr>
+              <a:t>public class Hero {</a:t>
+            </a:r>
+          </a:p>
+          <a:p>
+            <a:r>
+              <a:rPr lang="en-US" sz="1400" dirty="0">
+                <a:latin typeface="Consolas" panose="020B0609020204030204" pitchFamily="49" charset="0"/>
+                <a:cs typeface="Consolas" panose="020B0609020204030204" pitchFamily="49" charset="0"/>
+              </a:rPr>
+              <a:t>	public static final String LEAGUE = “HERO”;</a:t>
+            </a:r>
+          </a:p>
+          <a:p>
+            <a:r>
+              <a:rPr lang="en-US" sz="1400" dirty="0">
+                <a:latin typeface="Consolas" panose="020B0609020204030204" pitchFamily="49" charset="0"/>
+                <a:cs typeface="Consolas" panose="020B0609020204030204" pitchFamily="49" charset="0"/>
+              </a:rPr>
+              <a:t>	</a:t>
+            </a:r>
+          </a:p>
+          <a:p>
+            <a:r>
+              <a:rPr lang="en-US" sz="1400" dirty="0">
+                <a:latin typeface="Consolas" panose="020B0609020204030204" pitchFamily="49" charset="0"/>
+                <a:cs typeface="Consolas" panose="020B0609020204030204" pitchFamily="49" charset="0"/>
+              </a:rPr>
+              <a:t>	public String </a:t>
+            </a:r>
+            <a:r>
+              <a:rPr lang="en-US" sz="1400" dirty="0" err="1">
+                <a:latin typeface="Consolas" panose="020B0609020204030204" pitchFamily="49" charset="0"/>
+                <a:cs typeface="Consolas" panose="020B0609020204030204" pitchFamily="49" charset="0"/>
+              </a:rPr>
+              <a:t>powerLookup</a:t>
+            </a:r>
+            <a:r>
+              <a:rPr lang="en-US" sz="1400" dirty="0">
+                <a:latin typeface="Consolas" panose="020B0609020204030204" pitchFamily="49" charset="0"/>
+                <a:cs typeface="Consolas" panose="020B0609020204030204" pitchFamily="49" charset="0"/>
+              </a:rPr>
+              <a:t>(int which) {</a:t>
+            </a:r>
+          </a:p>
+          <a:p>
+            <a:r>
+              <a:rPr lang="en-US" sz="1400" dirty="0">
+                <a:latin typeface="Consolas" panose="020B0609020204030204" pitchFamily="49" charset="0"/>
+                <a:cs typeface="Consolas" panose="020B0609020204030204" pitchFamily="49" charset="0"/>
+              </a:rPr>
+              <a:t>      final String </a:t>
+            </a:r>
+            <a:r>
+              <a:rPr lang="en-US" sz="1400" dirty="0" err="1">
+                <a:latin typeface="Consolas" panose="020B0609020204030204" pitchFamily="49" charset="0"/>
+                <a:cs typeface="Consolas" panose="020B0609020204030204" pitchFamily="49" charset="0"/>
+              </a:rPr>
+              <a:t>rtn</a:t>
+            </a:r>
+            <a:r>
+              <a:rPr lang="en-US" sz="1400" dirty="0">
+                <a:latin typeface="Consolas" panose="020B0609020204030204" pitchFamily="49" charset="0"/>
+                <a:cs typeface="Consolas" panose="020B0609020204030204" pitchFamily="49" charset="0"/>
+              </a:rPr>
+              <a:t> = LEAGUE + “: Flight”;</a:t>
+            </a:r>
+          </a:p>
+          <a:p>
+            <a:endParaRPr lang="en-US" sz="1400" dirty="0">
+              <a:latin typeface="Consolas" panose="020B0609020204030204" pitchFamily="49" charset="0"/>
+              <a:cs typeface="Consolas" panose="020B0609020204030204" pitchFamily="49" charset="0"/>
+            </a:endParaRPr>
+          </a:p>
+          <a:p>
+            <a:r>
+              <a:rPr lang="en-US" sz="1400" dirty="0">
+                <a:latin typeface="Consolas" panose="020B0609020204030204" pitchFamily="49" charset="0"/>
+                <a:cs typeface="Consolas" panose="020B0609020204030204" pitchFamily="49" charset="0"/>
+              </a:rPr>
+              <a:t>      if(which &lt; 0) { </a:t>
+            </a:r>
+          </a:p>
+          <a:p>
+            <a:r>
+              <a:rPr lang="en-US" sz="1400" dirty="0">
+                <a:latin typeface="Consolas" panose="020B0609020204030204" pitchFamily="49" charset="0"/>
+                <a:cs typeface="Consolas" panose="020B0609020204030204" pitchFamily="49" charset="0"/>
+              </a:rPr>
+              <a:t>	     </a:t>
+            </a:r>
+            <a:r>
+              <a:rPr lang="en-US" sz="1400" dirty="0" err="1">
+                <a:latin typeface="Consolas" panose="020B0609020204030204" pitchFamily="49" charset="0"/>
+                <a:cs typeface="Consolas" panose="020B0609020204030204" pitchFamily="49" charset="0"/>
+              </a:rPr>
+              <a:t>rtn</a:t>
+            </a:r>
+            <a:r>
+              <a:rPr lang="en-US" sz="1400" dirty="0">
+                <a:latin typeface="Consolas" panose="020B0609020204030204" pitchFamily="49" charset="0"/>
+                <a:cs typeface="Consolas" panose="020B0609020204030204" pitchFamily="49" charset="0"/>
+              </a:rPr>
+              <a:t> = LEAGUE + “: Laser Eyes”;  </a:t>
+            </a:r>
+          </a:p>
+          <a:p>
+            <a:r>
+              <a:rPr lang="en-US" sz="1400" dirty="0">
+                <a:latin typeface="Consolas" panose="020B0609020204030204" pitchFamily="49" charset="0"/>
+                <a:cs typeface="Consolas" panose="020B0609020204030204" pitchFamily="49" charset="0"/>
+              </a:rPr>
+              <a:t>      }</a:t>
+            </a:r>
+          </a:p>
+          <a:p>
+            <a:endParaRPr lang="en-US" sz="1400" dirty="0">
+              <a:latin typeface="Consolas" panose="020B0609020204030204" pitchFamily="49" charset="0"/>
+              <a:cs typeface="Consolas" panose="020B0609020204030204" pitchFamily="49" charset="0"/>
+            </a:endParaRPr>
+          </a:p>
+          <a:p>
+            <a:r>
+              <a:rPr lang="en-US" sz="1400" dirty="0">
+                <a:latin typeface="Consolas" panose="020B0609020204030204" pitchFamily="49" charset="0"/>
+                <a:cs typeface="Consolas" panose="020B0609020204030204" pitchFamily="49" charset="0"/>
+              </a:rPr>
+              <a:t>      return </a:t>
+            </a:r>
+            <a:r>
+              <a:rPr lang="en-US" sz="1400" dirty="0" err="1">
+                <a:latin typeface="Consolas" panose="020B0609020204030204" pitchFamily="49" charset="0"/>
+                <a:cs typeface="Consolas" panose="020B0609020204030204" pitchFamily="49" charset="0"/>
+              </a:rPr>
+              <a:t>rtn</a:t>
+            </a:r>
+            <a:r>
+              <a:rPr lang="en-US" sz="1400" dirty="0">
+                <a:latin typeface="Consolas" panose="020B0609020204030204" pitchFamily="49" charset="0"/>
+                <a:cs typeface="Consolas" panose="020B0609020204030204" pitchFamily="49" charset="0"/>
+              </a:rPr>
+              <a:t>;</a:t>
+            </a:r>
+          </a:p>
+          <a:p>
+            <a:r>
+              <a:rPr lang="en-US" sz="1400" dirty="0">
+                <a:latin typeface="Consolas" panose="020B0609020204030204" pitchFamily="49" charset="0"/>
+                <a:cs typeface="Consolas" panose="020B0609020204030204" pitchFamily="49" charset="0"/>
+              </a:rPr>
+              <a:t>    }</a:t>
+            </a:r>
+          </a:p>
+          <a:p>
+            <a:endParaRPr lang="en-US" sz="1400" dirty="0">
+              <a:latin typeface="Consolas" panose="020B0609020204030204" pitchFamily="49" charset="0"/>
+              <a:cs typeface="Consolas" panose="020B0609020204030204" pitchFamily="49" charset="0"/>
+            </a:endParaRPr>
+          </a:p>
+          <a:p>
+            <a:endParaRPr lang="en-US" sz="1400" dirty="0">
+              <a:latin typeface="Consolas" panose="020B0609020204030204" pitchFamily="49" charset="0"/>
+              <a:cs typeface="Consolas" panose="020B0609020204030204" pitchFamily="49" charset="0"/>
+            </a:endParaRPr>
+          </a:p>
+          <a:p>
+            <a:r>
+              <a:rPr lang="en-US" sz="1400" dirty="0">
+                <a:latin typeface="Consolas" panose="020B0609020204030204" pitchFamily="49" charset="0"/>
+                <a:cs typeface="Consolas" panose="020B0609020204030204" pitchFamily="49" charset="0"/>
+              </a:rPr>
+              <a:t>    public static void main(String[] </a:t>
+            </a:r>
+            <a:r>
+              <a:rPr lang="en-US" sz="1400" dirty="0" err="1">
+                <a:latin typeface="Consolas" panose="020B0609020204030204" pitchFamily="49" charset="0"/>
+                <a:cs typeface="Consolas" panose="020B0609020204030204" pitchFamily="49" charset="0"/>
+              </a:rPr>
+              <a:t>args</a:t>
+            </a:r>
+            <a:r>
+              <a:rPr lang="en-US" sz="1400" dirty="0">
+                <a:latin typeface="Consolas" panose="020B0609020204030204" pitchFamily="49" charset="0"/>
+                <a:cs typeface="Consolas" panose="020B0609020204030204" pitchFamily="49" charset="0"/>
+              </a:rPr>
+              <a:t>) {</a:t>
+            </a:r>
+          </a:p>
+          <a:p>
+            <a:endParaRPr lang="en-US" sz="1400" dirty="0">
+              <a:latin typeface="Consolas" panose="020B0609020204030204" pitchFamily="49" charset="0"/>
+              <a:cs typeface="Consolas" panose="020B0609020204030204" pitchFamily="49" charset="0"/>
+            </a:endParaRPr>
+          </a:p>
+          <a:p>
+            <a:r>
+              <a:rPr lang="en-US" sz="1400" dirty="0">
+                <a:latin typeface="Consolas" panose="020B0609020204030204" pitchFamily="49" charset="0"/>
+                <a:cs typeface="Consolas" panose="020B0609020204030204" pitchFamily="49" charset="0"/>
+              </a:rPr>
+              <a:t>       </a:t>
+            </a:r>
+            <a:r>
+              <a:rPr lang="en-US" sz="1400" dirty="0" err="1">
+                <a:latin typeface="Consolas" panose="020B0609020204030204" pitchFamily="49" charset="0"/>
+                <a:cs typeface="Consolas" panose="020B0609020204030204" pitchFamily="49" charset="0"/>
+              </a:rPr>
+              <a:t>System.out.println</a:t>
+            </a:r>
+            <a:r>
+              <a:rPr lang="en-US" sz="1400" dirty="0">
+                <a:latin typeface="Consolas" panose="020B0609020204030204" pitchFamily="49" charset="0"/>
+                <a:cs typeface="Consolas" panose="020B0609020204030204" pitchFamily="49" charset="0"/>
+              </a:rPr>
+              <a:t>(</a:t>
+            </a:r>
+            <a:r>
+              <a:rPr lang="en-US" sz="1400" dirty="0" err="1">
+                <a:latin typeface="Consolas" panose="020B0609020204030204" pitchFamily="49" charset="0"/>
+                <a:cs typeface="Consolas" panose="020B0609020204030204" pitchFamily="49" charset="0"/>
+              </a:rPr>
+              <a:t>Hero.LEAGUE</a:t>
+            </a:r>
+            <a:r>
+              <a:rPr lang="en-US" sz="1400" dirty="0">
+                <a:latin typeface="Consolas" panose="020B0609020204030204" pitchFamily="49" charset="0"/>
+                <a:cs typeface="Consolas" panose="020B0609020204030204" pitchFamily="49" charset="0"/>
+              </a:rPr>
+              <a:t>);</a:t>
+            </a:r>
+          </a:p>
+          <a:p>
+            <a:r>
+              <a:rPr lang="en-US" sz="1400" dirty="0">
+                <a:latin typeface="Consolas" panose="020B0609020204030204" pitchFamily="49" charset="0"/>
+                <a:cs typeface="Consolas" panose="020B0609020204030204" pitchFamily="49" charset="0"/>
+              </a:rPr>
+              <a:t>	  </a:t>
+            </a:r>
+            <a:r>
+              <a:rPr lang="en-US" sz="1400" dirty="0" err="1">
+                <a:latin typeface="Consolas" panose="020B0609020204030204" pitchFamily="49" charset="0"/>
+                <a:cs typeface="Consolas" panose="020B0609020204030204" pitchFamily="49" charset="0"/>
+              </a:rPr>
+              <a:t>Hero.LEAGUE</a:t>
+            </a:r>
+            <a:r>
+              <a:rPr lang="en-US" sz="1400" dirty="0">
+                <a:latin typeface="Consolas" panose="020B0609020204030204" pitchFamily="49" charset="0"/>
+                <a:cs typeface="Consolas" panose="020B0609020204030204" pitchFamily="49" charset="0"/>
+              </a:rPr>
+              <a:t> = “Villain”; </a:t>
+            </a:r>
+          </a:p>
+          <a:p>
+            <a:endParaRPr lang="en-US" sz="1400" dirty="0">
+              <a:latin typeface="Consolas" panose="020B0609020204030204" pitchFamily="49" charset="0"/>
+              <a:cs typeface="Consolas" panose="020B0609020204030204" pitchFamily="49" charset="0"/>
+            </a:endParaRPr>
+          </a:p>
+          <a:p>
+            <a:r>
+              <a:rPr lang="en-US" sz="1400" dirty="0">
+                <a:latin typeface="Consolas" panose="020B0609020204030204" pitchFamily="49" charset="0"/>
+                <a:cs typeface="Consolas" panose="020B0609020204030204" pitchFamily="49" charset="0"/>
+              </a:rPr>
+              <a:t>       Hero ajax = new Hero(); // must build the object</a:t>
+            </a:r>
+          </a:p>
+          <a:p>
+            <a:r>
+              <a:rPr lang="en-US" sz="1400" dirty="0">
+                <a:latin typeface="Consolas" panose="020B0609020204030204" pitchFamily="49" charset="0"/>
+                <a:cs typeface="Consolas" panose="020B0609020204030204" pitchFamily="49" charset="0"/>
+              </a:rPr>
+              <a:t>       </a:t>
+            </a:r>
+            <a:r>
+              <a:rPr lang="en-US" sz="1400" dirty="0" err="1">
+                <a:latin typeface="Consolas" panose="020B0609020204030204" pitchFamily="49" charset="0"/>
+                <a:cs typeface="Consolas" panose="020B0609020204030204" pitchFamily="49" charset="0"/>
+              </a:rPr>
+              <a:t>System.out.println</a:t>
+            </a:r>
+            <a:r>
+              <a:rPr lang="en-US" sz="1400" dirty="0">
+                <a:latin typeface="Consolas" panose="020B0609020204030204" pitchFamily="49" charset="0"/>
+                <a:cs typeface="Consolas" panose="020B0609020204030204" pitchFamily="49" charset="0"/>
+              </a:rPr>
+              <a:t>(</a:t>
+            </a:r>
+            <a:r>
+              <a:rPr lang="en-US" sz="1400" dirty="0" err="1">
+                <a:latin typeface="Consolas" panose="020B0609020204030204" pitchFamily="49" charset="0"/>
+                <a:cs typeface="Consolas" panose="020B0609020204030204" pitchFamily="49" charset="0"/>
+              </a:rPr>
+              <a:t>ajax.powerLookup</a:t>
+            </a:r>
+            <a:r>
+              <a:rPr lang="en-US" sz="1400" dirty="0">
+                <a:latin typeface="Consolas" panose="020B0609020204030204" pitchFamily="49" charset="0"/>
+                <a:cs typeface="Consolas" panose="020B0609020204030204" pitchFamily="49" charset="0"/>
+              </a:rPr>
+              <a:t>(-1));</a:t>
+            </a:r>
+          </a:p>
+          <a:p>
+            <a:endParaRPr lang="en-US" sz="1400" dirty="0">
+              <a:latin typeface="Consolas" panose="020B0609020204030204" pitchFamily="49" charset="0"/>
+              <a:cs typeface="Consolas" panose="020B0609020204030204" pitchFamily="49" charset="0"/>
+            </a:endParaRPr>
+          </a:p>
+          <a:p>
+            <a:r>
+              <a:rPr lang="en-US" sz="1400" dirty="0">
+                <a:latin typeface="Consolas" panose="020B0609020204030204" pitchFamily="49" charset="0"/>
+                <a:cs typeface="Consolas" panose="020B0609020204030204" pitchFamily="49" charset="0"/>
+              </a:rPr>
+              <a:t>    }</a:t>
+            </a:r>
+          </a:p>
+          <a:p>
+            <a:r>
+              <a:rPr lang="en-US" sz="1400" dirty="0">
+                <a:latin typeface="Consolas" panose="020B0609020204030204" pitchFamily="49" charset="0"/>
+                <a:cs typeface="Consolas" panose="020B0609020204030204" pitchFamily="49" charset="0"/>
+              </a:rPr>
+              <a:t>}</a:t>
+            </a:r>
+          </a:p>
+        </p:txBody>
+      </p:sp>
+    </p:spTree>
+    <p:extLst>
+      <p:ext uri="{BB962C8B-B14F-4D97-AF65-F5344CB8AC3E}">
+        <p14:creationId xmlns:p14="http://schemas.microsoft.com/office/powerpoint/2010/main" val="4277751543"/>
+      </p:ext>
+    </p:extLst>
+  </p:cSld>
+  <p:clrMapOvr>
+    <a:masterClrMapping/>
+  </p:clrMapOvr>
+  <mc:AlternateContent xmlns:mc="http://schemas.openxmlformats.org/markup-compatibility/2006" xmlns:p14="http://schemas.microsoft.com/office/powerpoint/2010/main">
+    <mc:Choice Requires="p14">
+      <p:transition p14:dur="300">
+        <p:fade/>
+      </p:transition>
+    </mc:Choice>
+    <mc:Fallback xmlns="">
+      <p:transition>
+        <p:fade/>
+      </p:transition>
+    </mc:Fallback>
+  </mc:AlternateContent>
+  <p:timing>
+    <p:tnLst>
+      <p:par>
+        <p:cTn id="1" dur="indefinite" restart="never" nodeType="tmRoot">
+          <p:childTnLst>
+            <p:seq concurrent="1" nextAc="seek">
+              <p:cTn id="2" dur="indefinite" nodeType="mainSeq">
+                <p:childTnLst>
+                  <p:par>
+                    <p:cTn id="3" fill="hold">
+                      <p:stCondLst>
+                        <p:cond delay="indefinite"/>
+                      </p:stCondLst>
+                      <p:childTnLst>
+                        <p:par>
+                          <p:cTn id="4" fill="hold">
+                            <p:stCondLst>
+                              <p:cond delay="0"/>
+                            </p:stCondLst>
+                            <p:childTnLst>
+                              <p:par>
+                                <p:cTn id="5" presetID="10" presetClass="entr" presetSubtype="0" fill="hold" grpId="0" nodeType="clickEffect">
+                                  <p:stCondLst>
+                                    <p:cond delay="0"/>
+                                  </p:stCondLst>
+                                  <p:childTnLst>
+                                    <p:set>
+                                      <p:cBhvr>
+                                        <p:cTn id="6" dur="1" fill="hold">
+                                          <p:stCondLst>
+                                            <p:cond delay="0"/>
+                                          </p:stCondLst>
+                                        </p:cTn>
+                                        <p:tgtEl>
+                                          <p:spTgt spid="6"/>
+                                        </p:tgtEl>
+                                        <p:attrNameLst>
+                                          <p:attrName>style.visibility</p:attrName>
+                                        </p:attrNameLst>
+                                      </p:cBhvr>
+                                      <p:to>
+                                        <p:strVal val="visible"/>
+                                      </p:to>
+                                    </p:set>
+                                    <p:animEffect transition="in" filter="fade">
+                                      <p:cBhvr>
+                                        <p:cTn id="7" dur="500"/>
+                                        <p:tgtEl>
+                                          <p:spTgt spid="6"/>
+                                        </p:tgtEl>
+                                      </p:cBhvr>
+                                    </p:animEffect>
+                                  </p:childTnLst>
+                                </p:cTn>
+                              </p:par>
+                            </p:childTnLst>
+                          </p:cTn>
+                        </p:par>
+                      </p:childTnLst>
+                    </p:cTn>
+                  </p:par>
+                </p:childTnLst>
+              </p:cTn>
+              <p:prevCondLst>
+                <p:cond evt="onPrev" delay="0">
+                  <p:tgtEl>
+                    <p:sldTgt/>
+                  </p:tgtEl>
+                </p:cond>
+              </p:prevCondLst>
+              <p:nextCondLst>
+                <p:cond evt="onNext" delay="0">
+                  <p:tgtEl>
+                    <p:sldTgt/>
+                  </p:tgtEl>
+                </p:cond>
+              </p:nextCondLst>
+            </p:seq>
+          </p:childTnLst>
+        </p:cTn>
+      </p:par>
+    </p:tnLst>
+    <p:bldLst>
+      <p:bldP spid="6" grpId="0"/>
+    </p:bldLst>
+  </p:timing>
+</p:sld>
+</file>
+
+<file path=ppt/slides/slide5.xml><?xml version="1.0" encoding="utf-8"?>
 <p:sld xmlns:a="http://schemas.openxmlformats.org/drawingml/2006/main" xmlns:r="http://schemas.openxmlformats.org/officeDocument/2006/relationships" xmlns:p="http://schemas.openxmlformats.org/presentationml/2006/main">
   <p:cSld>
     <p:spTree>
@@ -14997,615 +15863,6 @@
       </p:transition>
     </mc:Fallback>
   </mc:AlternateContent>
-</p:sld>
-</file>
-
-<file path=ppt/slides/slide5.xml><?xml version="1.0" encoding="utf-8"?>
-<p:sld xmlns:a="http://schemas.openxmlformats.org/drawingml/2006/main" xmlns:r="http://schemas.openxmlformats.org/officeDocument/2006/relationships" xmlns:p="http://schemas.openxmlformats.org/presentationml/2006/main">
-  <p:cSld>
-    <p:spTree>
-      <p:nvGrpSpPr>
-        <p:cNvPr id="1" name=""/>
-        <p:cNvGrpSpPr/>
-        <p:nvPr/>
-      </p:nvGrpSpPr>
-      <p:grpSpPr>
-        <a:xfrm>
-          <a:off x="0" y="0"/>
-          <a:ext cx="0" cy="0"/>
-          <a:chOff x="0" y="0"/>
-          <a:chExt cx="0" cy="0"/>
-        </a:xfrm>
-      </p:grpSpPr>
-      <p:sp>
-        <p:nvSpPr>
-          <p:cNvPr id="2" name="Title 1">
-            <a:extLst>
-              <a:ext uri="{FF2B5EF4-FFF2-40B4-BE49-F238E27FC236}">
-                <a16:creationId xmlns:a16="http://schemas.microsoft.com/office/drawing/2014/main" id="{C967F022-B04E-49D2-9054-DF4514378B66}"/>
-              </a:ext>
-            </a:extLst>
-          </p:cNvPr>
-          <p:cNvSpPr>
-            <a:spLocks noGrp="1"/>
-          </p:cNvSpPr>
-          <p:nvPr>
-            <p:ph type="title"/>
-          </p:nvPr>
-        </p:nvSpPr>
-        <p:spPr/>
-        <p:txBody>
-          <a:bodyPr/>
-          <a:lstStyle/>
-          <a:p>
-            <a:r>
-              <a:rPr lang="en-US" dirty="0"/>
-              <a:t>Reading Check</a:t>
-            </a:r>
-          </a:p>
-        </p:txBody>
-      </p:sp>
-      <p:sp>
-        <p:nvSpPr>
-          <p:cNvPr id="3" name="Text Placeholder 2">
-            <a:extLst>
-              <a:ext uri="{FF2B5EF4-FFF2-40B4-BE49-F238E27FC236}">
-                <a16:creationId xmlns:a16="http://schemas.microsoft.com/office/drawing/2014/main" id="{90FAEA11-6DC1-45A6-B877-194CA7524B8F}"/>
-              </a:ext>
-            </a:extLst>
-          </p:cNvPr>
-          <p:cNvSpPr>
-            <a:spLocks noGrp="1"/>
-          </p:cNvSpPr>
-          <p:nvPr>
-            <p:ph type="body" sz="quarter" idx="10"/>
-          </p:nvPr>
-        </p:nvSpPr>
-        <p:spPr>
-          <a:xfrm>
-            <a:off x="7439025" y="1497329"/>
-            <a:ext cx="5045653" cy="1602555"/>
-          </a:xfrm>
-        </p:spPr>
-        <p:txBody>
-          <a:bodyPr/>
-          <a:lstStyle/>
-          <a:p>
-            <a:r>
-              <a:rPr lang="en-US" dirty="0"/>
-              <a:t>Will this code compile? </a:t>
-            </a:r>
-          </a:p>
-          <a:p>
-            <a:pPr lvl="1"/>
-            <a:r>
-              <a:rPr lang="en-US" dirty="0"/>
-              <a:t>A – Yes</a:t>
-            </a:r>
-          </a:p>
-          <a:p>
-            <a:pPr lvl="1"/>
-            <a:r>
-              <a:rPr lang="en-US" dirty="0"/>
-              <a:t>B – No </a:t>
-            </a:r>
-          </a:p>
-          <a:p>
-            <a:pPr lvl="1"/>
-            <a:r>
-              <a:rPr lang="en-US" dirty="0"/>
-              <a:t>C – Not sure</a:t>
-            </a:r>
-          </a:p>
-        </p:txBody>
-      </p:sp>
-      <p:sp>
-        <p:nvSpPr>
-          <p:cNvPr id="6" name="TextBox 5">
-            <a:extLst>
-              <a:ext uri="{FF2B5EF4-FFF2-40B4-BE49-F238E27FC236}">
-                <a16:creationId xmlns:a16="http://schemas.microsoft.com/office/drawing/2014/main" id="{5CB8A5A5-0C8D-4DF6-84A2-1FA199629395}"/>
-              </a:ext>
-            </a:extLst>
-          </p:cNvPr>
-          <p:cNvSpPr txBox="1"/>
-          <p:nvPr/>
-        </p:nvSpPr>
-        <p:spPr>
-          <a:xfrm>
-            <a:off x="8642639" y="6052255"/>
-            <a:ext cx="3219450" cy="707886"/>
-          </a:xfrm>
-          <a:prstGeom prst="rect">
-            <a:avLst/>
-          </a:prstGeom>
-          <a:noFill/>
-        </p:spPr>
-        <p:txBody>
-          <a:bodyPr wrap="square" rtlCol="0">
-            <a:spAutoFit/>
-          </a:bodyPr>
-          <a:lstStyle/>
-          <a:p>
-            <a:r>
-              <a:rPr lang="en-US" dirty="0"/>
-              <a:t>We will come back to this in a few slides.</a:t>
-            </a:r>
-          </a:p>
-        </p:txBody>
-      </p:sp>
-      <p:sp>
-        <p:nvSpPr>
-          <p:cNvPr id="7" name="TextBox 6">
-            <a:extLst>
-              <a:ext uri="{FF2B5EF4-FFF2-40B4-BE49-F238E27FC236}">
-                <a16:creationId xmlns:a16="http://schemas.microsoft.com/office/drawing/2014/main" id="{8E2D2BC3-8D79-4146-8494-70E111670F49}"/>
-              </a:ext>
-            </a:extLst>
-          </p:cNvPr>
-          <p:cNvSpPr txBox="1"/>
-          <p:nvPr/>
-        </p:nvSpPr>
-        <p:spPr>
-          <a:xfrm>
-            <a:off x="374945" y="1473084"/>
-            <a:ext cx="6851737" cy="5262979"/>
-          </a:xfrm>
-          <a:prstGeom prst="rect">
-            <a:avLst/>
-          </a:prstGeom>
-          <a:noFill/>
-        </p:spPr>
-        <p:txBody>
-          <a:bodyPr wrap="square" rtlCol="0">
-            <a:spAutoFit/>
-          </a:bodyPr>
-          <a:lstStyle/>
-          <a:p>
-            <a:r>
-              <a:rPr lang="en-US" sz="1400" dirty="0">
-                <a:latin typeface="Consolas" panose="020B0609020204030204" pitchFamily="49" charset="0"/>
-                <a:cs typeface="Consolas" panose="020B0609020204030204" pitchFamily="49" charset="0"/>
-              </a:rPr>
-              <a:t>public class Hero {</a:t>
-            </a:r>
-          </a:p>
-          <a:p>
-            <a:r>
-              <a:rPr lang="en-US" sz="1400" dirty="0">
-                <a:latin typeface="Consolas" panose="020B0609020204030204" pitchFamily="49" charset="0"/>
-                <a:cs typeface="Consolas" panose="020B0609020204030204" pitchFamily="49" charset="0"/>
-              </a:rPr>
-              <a:t>	public static final String LEAGUE = “HERO”;</a:t>
-            </a:r>
-          </a:p>
-          <a:p>
-            <a:r>
-              <a:rPr lang="en-US" sz="1400" dirty="0">
-                <a:latin typeface="Consolas" panose="020B0609020204030204" pitchFamily="49" charset="0"/>
-                <a:cs typeface="Consolas" panose="020B0609020204030204" pitchFamily="49" charset="0"/>
-              </a:rPr>
-              <a:t>	</a:t>
-            </a:r>
-          </a:p>
-          <a:p>
-            <a:r>
-              <a:rPr lang="en-US" sz="1400" dirty="0">
-                <a:latin typeface="Consolas" panose="020B0609020204030204" pitchFamily="49" charset="0"/>
-                <a:cs typeface="Consolas" panose="020B0609020204030204" pitchFamily="49" charset="0"/>
-              </a:rPr>
-              <a:t>	public String </a:t>
-            </a:r>
-            <a:r>
-              <a:rPr lang="en-US" sz="1400" dirty="0" err="1">
-                <a:latin typeface="Consolas" panose="020B0609020204030204" pitchFamily="49" charset="0"/>
-                <a:cs typeface="Consolas" panose="020B0609020204030204" pitchFamily="49" charset="0"/>
-              </a:rPr>
-              <a:t>powerLookup</a:t>
-            </a:r>
-            <a:r>
-              <a:rPr lang="en-US" sz="1400" dirty="0">
-                <a:latin typeface="Consolas" panose="020B0609020204030204" pitchFamily="49" charset="0"/>
-                <a:cs typeface="Consolas" panose="020B0609020204030204" pitchFamily="49" charset="0"/>
-              </a:rPr>
-              <a:t>(int which) {</a:t>
-            </a:r>
-          </a:p>
-          <a:p>
-            <a:r>
-              <a:rPr lang="en-US" sz="1400" dirty="0">
-                <a:latin typeface="Consolas" panose="020B0609020204030204" pitchFamily="49" charset="0"/>
-                <a:cs typeface="Consolas" panose="020B0609020204030204" pitchFamily="49" charset="0"/>
-              </a:rPr>
-              <a:t>      final String </a:t>
-            </a:r>
-            <a:r>
-              <a:rPr lang="en-US" sz="1400" dirty="0" err="1">
-                <a:latin typeface="Consolas" panose="020B0609020204030204" pitchFamily="49" charset="0"/>
-                <a:cs typeface="Consolas" panose="020B0609020204030204" pitchFamily="49" charset="0"/>
-              </a:rPr>
-              <a:t>rtn</a:t>
-            </a:r>
-            <a:r>
-              <a:rPr lang="en-US" sz="1400" dirty="0">
-                <a:latin typeface="Consolas" panose="020B0609020204030204" pitchFamily="49" charset="0"/>
-                <a:cs typeface="Consolas" panose="020B0609020204030204" pitchFamily="49" charset="0"/>
-              </a:rPr>
-              <a:t> = LEAGUE + “: Flight”;</a:t>
-            </a:r>
-          </a:p>
-          <a:p>
-            <a:endParaRPr lang="en-US" sz="1400" dirty="0">
-              <a:latin typeface="Consolas" panose="020B0609020204030204" pitchFamily="49" charset="0"/>
-              <a:cs typeface="Consolas" panose="020B0609020204030204" pitchFamily="49" charset="0"/>
-            </a:endParaRPr>
-          </a:p>
-          <a:p>
-            <a:r>
-              <a:rPr lang="en-US" sz="1400" dirty="0">
-                <a:latin typeface="Consolas" panose="020B0609020204030204" pitchFamily="49" charset="0"/>
-                <a:cs typeface="Consolas" panose="020B0609020204030204" pitchFamily="49" charset="0"/>
-              </a:rPr>
-              <a:t>      if(which &lt; 0) { </a:t>
-            </a:r>
-          </a:p>
-          <a:p>
-            <a:r>
-              <a:rPr lang="en-US" sz="1400" dirty="0">
-                <a:latin typeface="Consolas" panose="020B0609020204030204" pitchFamily="49" charset="0"/>
-                <a:cs typeface="Consolas" panose="020B0609020204030204" pitchFamily="49" charset="0"/>
-              </a:rPr>
-              <a:t>	     </a:t>
-            </a:r>
-            <a:r>
-              <a:rPr lang="en-US" sz="1400" dirty="0" err="1">
-                <a:latin typeface="Consolas" panose="020B0609020204030204" pitchFamily="49" charset="0"/>
-                <a:cs typeface="Consolas" panose="020B0609020204030204" pitchFamily="49" charset="0"/>
-              </a:rPr>
-              <a:t>rtn</a:t>
-            </a:r>
-            <a:r>
-              <a:rPr lang="en-US" sz="1400" dirty="0">
-                <a:latin typeface="Consolas" panose="020B0609020204030204" pitchFamily="49" charset="0"/>
-                <a:cs typeface="Consolas" panose="020B0609020204030204" pitchFamily="49" charset="0"/>
-              </a:rPr>
-              <a:t> = LEAGUE + “: Laser Eyes”;  </a:t>
-            </a:r>
-          </a:p>
-          <a:p>
-            <a:r>
-              <a:rPr lang="en-US" sz="1400" dirty="0">
-                <a:latin typeface="Consolas" panose="020B0609020204030204" pitchFamily="49" charset="0"/>
-                <a:cs typeface="Consolas" panose="020B0609020204030204" pitchFamily="49" charset="0"/>
-              </a:rPr>
-              <a:t>      }</a:t>
-            </a:r>
-          </a:p>
-          <a:p>
-            <a:endParaRPr lang="en-US" sz="1400" dirty="0">
-              <a:latin typeface="Consolas" panose="020B0609020204030204" pitchFamily="49" charset="0"/>
-              <a:cs typeface="Consolas" panose="020B0609020204030204" pitchFamily="49" charset="0"/>
-            </a:endParaRPr>
-          </a:p>
-          <a:p>
-            <a:r>
-              <a:rPr lang="en-US" sz="1400" dirty="0">
-                <a:latin typeface="Consolas" panose="020B0609020204030204" pitchFamily="49" charset="0"/>
-                <a:cs typeface="Consolas" panose="020B0609020204030204" pitchFamily="49" charset="0"/>
-              </a:rPr>
-              <a:t>      return </a:t>
-            </a:r>
-            <a:r>
-              <a:rPr lang="en-US" sz="1400" dirty="0" err="1">
-                <a:latin typeface="Consolas" panose="020B0609020204030204" pitchFamily="49" charset="0"/>
-                <a:cs typeface="Consolas" panose="020B0609020204030204" pitchFamily="49" charset="0"/>
-              </a:rPr>
-              <a:t>rtn</a:t>
-            </a:r>
-            <a:r>
-              <a:rPr lang="en-US" sz="1400" dirty="0">
-                <a:latin typeface="Consolas" panose="020B0609020204030204" pitchFamily="49" charset="0"/>
-                <a:cs typeface="Consolas" panose="020B0609020204030204" pitchFamily="49" charset="0"/>
-              </a:rPr>
-              <a:t>;</a:t>
-            </a:r>
-          </a:p>
-          <a:p>
-            <a:r>
-              <a:rPr lang="en-US" sz="1400" dirty="0">
-                <a:latin typeface="Consolas" panose="020B0609020204030204" pitchFamily="49" charset="0"/>
-                <a:cs typeface="Consolas" panose="020B0609020204030204" pitchFamily="49" charset="0"/>
-              </a:rPr>
-              <a:t>    }</a:t>
-            </a:r>
-          </a:p>
-          <a:p>
-            <a:endParaRPr lang="en-US" sz="1400" dirty="0">
-              <a:latin typeface="Consolas" panose="020B0609020204030204" pitchFamily="49" charset="0"/>
-              <a:cs typeface="Consolas" panose="020B0609020204030204" pitchFamily="49" charset="0"/>
-            </a:endParaRPr>
-          </a:p>
-          <a:p>
-            <a:endParaRPr lang="en-US" sz="1400" dirty="0">
-              <a:latin typeface="Consolas" panose="020B0609020204030204" pitchFamily="49" charset="0"/>
-              <a:cs typeface="Consolas" panose="020B0609020204030204" pitchFamily="49" charset="0"/>
-            </a:endParaRPr>
-          </a:p>
-          <a:p>
-            <a:r>
-              <a:rPr lang="en-US" sz="1400" dirty="0">
-                <a:latin typeface="Consolas" panose="020B0609020204030204" pitchFamily="49" charset="0"/>
-                <a:cs typeface="Consolas" panose="020B0609020204030204" pitchFamily="49" charset="0"/>
-              </a:rPr>
-              <a:t>    public static void main(String[] </a:t>
-            </a:r>
-            <a:r>
-              <a:rPr lang="en-US" sz="1400" dirty="0" err="1">
-                <a:latin typeface="Consolas" panose="020B0609020204030204" pitchFamily="49" charset="0"/>
-                <a:cs typeface="Consolas" panose="020B0609020204030204" pitchFamily="49" charset="0"/>
-              </a:rPr>
-              <a:t>args</a:t>
-            </a:r>
-            <a:r>
-              <a:rPr lang="en-US" sz="1400" dirty="0">
-                <a:latin typeface="Consolas" panose="020B0609020204030204" pitchFamily="49" charset="0"/>
-                <a:cs typeface="Consolas" panose="020B0609020204030204" pitchFamily="49" charset="0"/>
-              </a:rPr>
-              <a:t>) {</a:t>
-            </a:r>
-          </a:p>
-          <a:p>
-            <a:endParaRPr lang="en-US" sz="1400" dirty="0">
-              <a:latin typeface="Consolas" panose="020B0609020204030204" pitchFamily="49" charset="0"/>
-              <a:cs typeface="Consolas" panose="020B0609020204030204" pitchFamily="49" charset="0"/>
-            </a:endParaRPr>
-          </a:p>
-          <a:p>
-            <a:r>
-              <a:rPr lang="en-US" sz="1400" dirty="0">
-                <a:latin typeface="Consolas" panose="020B0609020204030204" pitchFamily="49" charset="0"/>
-                <a:cs typeface="Consolas" panose="020B0609020204030204" pitchFamily="49" charset="0"/>
-              </a:rPr>
-              <a:t>       </a:t>
-            </a:r>
-            <a:r>
-              <a:rPr lang="en-US" sz="1400" dirty="0" err="1">
-                <a:latin typeface="Consolas" panose="020B0609020204030204" pitchFamily="49" charset="0"/>
-                <a:cs typeface="Consolas" panose="020B0609020204030204" pitchFamily="49" charset="0"/>
-              </a:rPr>
-              <a:t>System.out.println</a:t>
-            </a:r>
-            <a:r>
-              <a:rPr lang="en-US" sz="1400" dirty="0">
-                <a:latin typeface="Consolas" panose="020B0609020204030204" pitchFamily="49" charset="0"/>
-                <a:cs typeface="Consolas" panose="020B0609020204030204" pitchFamily="49" charset="0"/>
-              </a:rPr>
-              <a:t>(</a:t>
-            </a:r>
-            <a:r>
-              <a:rPr lang="en-US" sz="1400" dirty="0" err="1">
-                <a:latin typeface="Consolas" panose="020B0609020204030204" pitchFamily="49" charset="0"/>
-                <a:cs typeface="Consolas" panose="020B0609020204030204" pitchFamily="49" charset="0"/>
-              </a:rPr>
-              <a:t>Hero.LEAGUE</a:t>
-            </a:r>
-            <a:r>
-              <a:rPr lang="en-US" sz="1400" dirty="0">
-                <a:latin typeface="Consolas" panose="020B0609020204030204" pitchFamily="49" charset="0"/>
-                <a:cs typeface="Consolas" panose="020B0609020204030204" pitchFamily="49" charset="0"/>
-              </a:rPr>
-              <a:t>);</a:t>
-            </a:r>
-          </a:p>
-          <a:p>
-            <a:r>
-              <a:rPr lang="en-US" sz="1400" dirty="0">
-                <a:latin typeface="Consolas" panose="020B0609020204030204" pitchFamily="49" charset="0"/>
-                <a:cs typeface="Consolas" panose="020B0609020204030204" pitchFamily="49" charset="0"/>
-              </a:rPr>
-              <a:t>	  </a:t>
-            </a:r>
-            <a:r>
-              <a:rPr lang="en-US" sz="1400" dirty="0" err="1">
-                <a:latin typeface="Consolas" panose="020B0609020204030204" pitchFamily="49" charset="0"/>
-                <a:cs typeface="Consolas" panose="020B0609020204030204" pitchFamily="49" charset="0"/>
-              </a:rPr>
-              <a:t>Hero.LEAGUE</a:t>
-            </a:r>
-            <a:r>
-              <a:rPr lang="en-US" sz="1400" dirty="0">
-                <a:latin typeface="Consolas" panose="020B0609020204030204" pitchFamily="49" charset="0"/>
-                <a:cs typeface="Consolas" panose="020B0609020204030204" pitchFamily="49" charset="0"/>
-              </a:rPr>
-              <a:t> = “Villain”; </a:t>
-            </a:r>
-          </a:p>
-          <a:p>
-            <a:endParaRPr lang="en-US" sz="1400" dirty="0">
-              <a:latin typeface="Consolas" panose="020B0609020204030204" pitchFamily="49" charset="0"/>
-              <a:cs typeface="Consolas" panose="020B0609020204030204" pitchFamily="49" charset="0"/>
-            </a:endParaRPr>
-          </a:p>
-          <a:p>
-            <a:r>
-              <a:rPr lang="en-US" sz="1400" dirty="0">
-                <a:latin typeface="Consolas" panose="020B0609020204030204" pitchFamily="49" charset="0"/>
-                <a:cs typeface="Consolas" panose="020B0609020204030204" pitchFamily="49" charset="0"/>
-              </a:rPr>
-              <a:t>       Hero ajax = new Hero(); // must build the object</a:t>
-            </a:r>
-          </a:p>
-          <a:p>
-            <a:r>
-              <a:rPr lang="en-US" sz="1400" dirty="0">
-                <a:latin typeface="Consolas" panose="020B0609020204030204" pitchFamily="49" charset="0"/>
-                <a:cs typeface="Consolas" panose="020B0609020204030204" pitchFamily="49" charset="0"/>
-              </a:rPr>
-              <a:t>       </a:t>
-            </a:r>
-            <a:r>
-              <a:rPr lang="en-US" sz="1400" dirty="0" err="1">
-                <a:latin typeface="Consolas" panose="020B0609020204030204" pitchFamily="49" charset="0"/>
-                <a:cs typeface="Consolas" panose="020B0609020204030204" pitchFamily="49" charset="0"/>
-              </a:rPr>
-              <a:t>System.out.println</a:t>
-            </a:r>
-            <a:r>
-              <a:rPr lang="en-US" sz="1400" dirty="0">
-                <a:latin typeface="Consolas" panose="020B0609020204030204" pitchFamily="49" charset="0"/>
-                <a:cs typeface="Consolas" panose="020B0609020204030204" pitchFamily="49" charset="0"/>
-              </a:rPr>
-              <a:t>(</a:t>
-            </a:r>
-            <a:r>
-              <a:rPr lang="en-US" sz="1400" dirty="0" err="1">
-                <a:latin typeface="Consolas" panose="020B0609020204030204" pitchFamily="49" charset="0"/>
-                <a:cs typeface="Consolas" panose="020B0609020204030204" pitchFamily="49" charset="0"/>
-              </a:rPr>
-              <a:t>ajax.powerLookup</a:t>
-            </a:r>
-            <a:r>
-              <a:rPr lang="en-US" sz="1400" dirty="0">
-                <a:latin typeface="Consolas" panose="020B0609020204030204" pitchFamily="49" charset="0"/>
-                <a:cs typeface="Consolas" panose="020B0609020204030204" pitchFamily="49" charset="0"/>
-              </a:rPr>
-              <a:t>(-1));</a:t>
-            </a:r>
-          </a:p>
-          <a:p>
-            <a:endParaRPr lang="en-US" sz="1400" dirty="0">
-              <a:latin typeface="Consolas" panose="020B0609020204030204" pitchFamily="49" charset="0"/>
-              <a:cs typeface="Consolas" panose="020B0609020204030204" pitchFamily="49" charset="0"/>
-            </a:endParaRPr>
-          </a:p>
-          <a:p>
-            <a:r>
-              <a:rPr lang="en-US" sz="1400" dirty="0">
-                <a:latin typeface="Consolas" panose="020B0609020204030204" pitchFamily="49" charset="0"/>
-                <a:cs typeface="Consolas" panose="020B0609020204030204" pitchFamily="49" charset="0"/>
-              </a:rPr>
-              <a:t>    }</a:t>
-            </a:r>
-          </a:p>
-          <a:p>
-            <a:r>
-              <a:rPr lang="en-US" sz="1400" dirty="0">
-                <a:latin typeface="Consolas" panose="020B0609020204030204" pitchFamily="49" charset="0"/>
-                <a:cs typeface="Consolas" panose="020B0609020204030204" pitchFamily="49" charset="0"/>
-              </a:rPr>
-              <a:t>}</a:t>
-            </a:r>
-          </a:p>
-        </p:txBody>
-      </p:sp>
-    </p:spTree>
-    <p:extLst>
-      <p:ext uri="{BB962C8B-B14F-4D97-AF65-F5344CB8AC3E}">
-        <p14:creationId xmlns:p14="http://schemas.microsoft.com/office/powerpoint/2010/main" val="4277751543"/>
-      </p:ext>
-    </p:extLst>
-  </p:cSld>
-  <p:clrMapOvr>
-    <a:masterClrMapping/>
-  </p:clrMapOvr>
-  <mc:AlternateContent xmlns:mc="http://schemas.openxmlformats.org/markup-compatibility/2006" xmlns:p14="http://schemas.microsoft.com/office/powerpoint/2010/main">
-    <mc:Choice Requires="p14">
-      <p:transition p14:dur="300">
-        <p:fade/>
-      </p:transition>
-    </mc:Choice>
-    <mc:Fallback xmlns="">
-      <p:transition>
-        <p:fade/>
-      </p:transition>
-    </mc:Fallback>
-  </mc:AlternateContent>
-  <p:timing>
-    <p:tnLst>
-      <p:par>
-        <p:cTn id="1" dur="indefinite" restart="never" nodeType="tmRoot">
-          <p:childTnLst>
-            <p:seq concurrent="1" nextAc="seek">
-              <p:cTn id="2" dur="indefinite" nodeType="mainSeq">
-                <p:childTnLst>
-                  <p:par>
-                    <p:cTn id="3" fill="hold">
-                      <p:stCondLst>
-                        <p:cond delay="indefinite"/>
-                      </p:stCondLst>
-                      <p:childTnLst>
-                        <p:par>
-                          <p:cTn id="4" fill="hold">
-                            <p:stCondLst>
-                              <p:cond delay="0"/>
-                            </p:stCondLst>
-                            <p:childTnLst>
-                              <p:par>
-                                <p:cTn id="5" presetID="10" presetClass="entr" presetSubtype="0" fill="hold" grpId="0" nodeType="clickEffect">
-                                  <p:stCondLst>
-                                    <p:cond delay="0"/>
-                                  </p:stCondLst>
-                                  <p:childTnLst>
-                                    <p:set>
-                                      <p:cBhvr>
-                                        <p:cTn id="6" dur="1" fill="hold">
-                                          <p:stCondLst>
-                                            <p:cond delay="0"/>
-                                          </p:stCondLst>
-                                        </p:cTn>
-                                        <p:tgtEl>
-                                          <p:spTgt spid="6"/>
-                                        </p:tgtEl>
-                                        <p:attrNameLst>
-                                          <p:attrName>style.visibility</p:attrName>
-                                        </p:attrNameLst>
-                                      </p:cBhvr>
-                                      <p:to>
-                                        <p:strVal val="visible"/>
-                                      </p:to>
-                                    </p:set>
-                                    <p:animEffect transition="in" filter="fade">
-                                      <p:cBhvr>
-                                        <p:cTn id="7" dur="500"/>
-                                        <p:tgtEl>
-                                          <p:spTgt spid="6"/>
-                                        </p:tgtEl>
-                                      </p:cBhvr>
-                                    </p:animEffect>
-                                  </p:childTnLst>
-                                </p:cTn>
-                              </p:par>
-                            </p:childTnLst>
-                          </p:cTn>
-                        </p:par>
-                      </p:childTnLst>
-                    </p:cTn>
-                  </p:par>
-                </p:childTnLst>
-              </p:cTn>
-              <p:prevCondLst>
-                <p:cond evt="onPrev" delay="0">
-                  <p:tgtEl>
-                    <p:sldTgt/>
-                  </p:tgtEl>
-                </p:cond>
-              </p:prevCondLst>
-              <p:nextCondLst>
-                <p:cond evt="onNext" delay="0">
-                  <p:tgtEl>
-                    <p:sldTgt/>
-                  </p:tgtEl>
-                </p:cond>
-              </p:nextCondLst>
-            </p:seq>
-          </p:childTnLst>
-        </p:cTn>
-      </p:par>
-    </p:tnLst>
-    <p:bldLst>
-      <p:bldP spid="6" grpId="0"/>
-    </p:bldLst>
-  </p:timing>
 </p:sld>
 </file>
 
